--- a/Outlaw/Kasarda Drill.pptx
+++ b/Outlaw/Kasarda Drill.pptx
@@ -335,7 +335,7 @@
               <a:pPr>
                 <a:defRPr/>
               </a:pPr>
-              <a:t>6/4/20</a:t>
+              <a:t>03.07.2020</a:t>
             </a:fld>
             <a:endParaRPr lang="en-US"/>
           </a:p>
@@ -4232,14 +4232,14 @@
           <p:nvPr>
             <p:extLst>
               <p:ext uri="{D42A27DB-BD31-4B8C-83A1-F6EECF244321}">
-                <p14:modId xmlns:p14="http://schemas.microsoft.com/office/powerpoint/2010/main" val="3366469394"/>
+                <p14:modId xmlns:p14="http://schemas.microsoft.com/office/powerpoint/2010/main" val="3032392326"/>
               </p:ext>
             </p:extLst>
           </p:nvPr>
         </p:nvGraphicFramePr>
         <p:xfrm>
           <a:off x="152400" y="152400"/>
-          <a:ext cx="7010400" cy="3959346"/>
+          <a:ext cx="7010400" cy="4629906"/>
         </p:xfrm>
         <a:graphic>
           <a:graphicData uri="http://schemas.openxmlformats.org/drawingml/2006/table">
@@ -4794,7 +4794,7 @@
                   </a:ext>
                 </a:extLst>
               </a:tr>
-              <a:tr h="2186295">
+              <a:tr h="2895600">
                 <a:tc gridSpan="2">
                   <a:txBody>
                     <a:bodyPr/>
@@ -4877,37 +4877,7 @@
                           <a:ea typeface="ＭＳ Ｐゴシック" pitchFamily="-112" charset="-128"/>
                           <a:cs typeface="Times New Roman" pitchFamily="-112" charset="0"/>
                         </a:rPr>
-                        <a:t>Put rifle on safe, and throw Kettlebell (do not step </a:t>
-                      </a:r>
-                      <a:r>
-                        <a:rPr kumimoji="0" lang="en-US" sz="1100" b="0" i="0" u="none" strike="noStrike" cap="none" normalizeH="0" baseline="0" dirty="0" err="1">
-                          <a:ln>
-                            <a:noFill/>
-                          </a:ln>
-                          <a:solidFill>
-                            <a:schemeClr val="tx1"/>
-                          </a:solidFill>
-                          <a:effectLst/>
-                          <a:latin typeface="Arial" charset="0"/>
-                          <a:ea typeface="ＭＳ Ｐゴシック" pitchFamily="-112" charset="-128"/>
-                          <a:cs typeface="Times New Roman" pitchFamily="-112" charset="0"/>
-                        </a:rPr>
-                        <a:t>infront</a:t>
-                      </a:r>
-                      <a:r>
-                        <a:rPr kumimoji="0" lang="en-US" sz="1100" b="0" i="0" u="none" strike="noStrike" cap="none" normalizeH="0" baseline="0" dirty="0">
-                          <a:ln>
-                            <a:noFill/>
-                          </a:ln>
-                          <a:solidFill>
-                            <a:schemeClr val="tx1"/>
-                          </a:solidFill>
-                          <a:effectLst/>
-                          <a:latin typeface="Arial" charset="0"/>
-                          <a:ea typeface="ＭＳ Ｐゴシック" pitchFamily="-112" charset="-128"/>
-                          <a:cs typeface="Times New Roman" pitchFamily="-112" charset="0"/>
-                        </a:rPr>
-                        <a:t> of your rifle)</a:t>
+                        <a:t>Put rifle on safe, and throw Kettlebell (do not step in front of your rifle)</a:t>
                       </a:r>
                     </a:p>
                     <a:p>
@@ -4940,37 +4910,7 @@
                           <a:ea typeface="ＭＳ Ｐゴシック" pitchFamily="-112" charset="-128"/>
                           <a:cs typeface="Times New Roman" pitchFamily="-112" charset="0"/>
                         </a:rPr>
-                        <a:t>Advance to the Kettlebell. Go prone with </a:t>
-                      </a:r>
-                      <a:r>
-                        <a:rPr kumimoji="0" lang="en-US" sz="1100" b="0" i="0" u="none" strike="noStrike" cap="none" normalizeH="0" baseline="0" dirty="0" err="1">
-                          <a:ln>
-                            <a:noFill/>
-                          </a:ln>
-                          <a:solidFill>
-                            <a:schemeClr val="tx1"/>
-                          </a:solidFill>
-                          <a:effectLst/>
-                          <a:latin typeface="Arial" charset="0"/>
-                          <a:ea typeface="ＭＳ Ｐゴシック" pitchFamily="-112" charset="-128"/>
-                          <a:cs typeface="Times New Roman" pitchFamily="-112" charset="0"/>
-                        </a:rPr>
-                        <a:t>butstock</a:t>
-                      </a:r>
-                      <a:r>
-                        <a:rPr kumimoji="0" lang="en-US" sz="1100" b="0" i="0" u="none" strike="noStrike" cap="none" normalizeH="0" baseline="0" dirty="0">
-                          <a:ln>
-                            <a:noFill/>
-                          </a:ln>
-                          <a:solidFill>
-                            <a:schemeClr val="tx1"/>
-                          </a:solidFill>
-                          <a:effectLst/>
-                          <a:latin typeface="Arial" charset="0"/>
-                          <a:ea typeface="ＭＳ Ｐゴシック" pitchFamily="-112" charset="-128"/>
-                          <a:cs typeface="Times New Roman" pitchFamily="-112" charset="0"/>
-                        </a:rPr>
-                        <a:t> even with Kettlebell.</a:t>
+                        <a:t>Advance to the Kettlebell. Go prone with but stock even with Kettlebell. If you’re right-handed, the kettlebell will be on your left. If you’re left-handed, the kettlebell will be on your right.</a:t>
                       </a:r>
                     </a:p>
                     <a:p>
@@ -5114,7 +5054,7 @@
                           <a:ea typeface="ＭＳ Ｐゴシック" pitchFamily="-112" charset="-128"/>
                           <a:cs typeface="Times New Roman" pitchFamily="-112" charset="0"/>
                         </a:rPr>
-                        <a:t>: 150 seconds. Failing to fire the last shot from 50yds is a 30s penalty</a:t>
+                        <a:t>: 150 seconds. Failing to fire the last shot from 50yds is a 30s penalty. Popping all 20 balloons before reaching the 50yd line will be the end and final time will be 150s minus bonuses</a:t>
                       </a:r>
                     </a:p>
                   </a:txBody>
@@ -5437,37 +5377,7 @@
                           <a:ea typeface="ＭＳ Ｐゴシック" pitchFamily="-112" charset="-128"/>
                           <a:cs typeface="Times New Roman" pitchFamily="-112" charset="0"/>
                         </a:rPr>
-                        <a:t>Muzzle Safe Points</a:t>
-                      </a:r>
-                      <a:r>
-                        <a:rPr kumimoji="0" lang="en-US" sz="1100" b="1" i="0" u="none" strike="noStrike" cap="none" normalizeH="0" baseline="0">
-                          <a:ln>
-                            <a:noFill/>
-                          </a:ln>
-                          <a:solidFill>
-                            <a:schemeClr val="tx1"/>
-                          </a:solidFill>
-                          <a:effectLst/>
-                          <a:latin typeface="Arial" charset="0"/>
-                          <a:ea typeface="ＭＳ Ｐゴシック" pitchFamily="-112" charset="-128"/>
-                          <a:cs typeface="Times New Roman" pitchFamily="-112" charset="0"/>
-                        </a:rPr>
-                        <a:t>: 180 </a:t>
-                      </a:r>
-                      <a:r>
-                        <a:rPr kumimoji="0" lang="en-US" sz="1100" b="1" i="0" u="none" strike="noStrike" cap="none" normalizeH="0" baseline="0" dirty="0">
-                          <a:ln>
-                            <a:noFill/>
-                          </a:ln>
-                          <a:solidFill>
-                            <a:schemeClr val="tx1"/>
-                          </a:solidFill>
-                          <a:effectLst/>
-                          <a:latin typeface="Arial" charset="0"/>
-                          <a:ea typeface="ＭＳ Ｐゴシック" pitchFamily="-112" charset="-128"/>
-                          <a:cs typeface="Times New Roman" pitchFamily="-112" charset="0"/>
-                        </a:rPr>
-                        <a:t>degree rule</a:t>
+                        <a:t>Muzzle Safe Points: 180 degree rule</a:t>
                       </a:r>
                     </a:p>
                     <a:p>
@@ -5585,7 +5495,7 @@
         </p:nvCxnSpPr>
         <p:spPr>
           <a:xfrm flipH="1">
-            <a:off x="2078819" y="6216391"/>
+            <a:off x="2078819" y="6638004"/>
             <a:ext cx="596899" cy="0"/>
           </a:xfrm>
           <a:prstGeom prst="line">
@@ -5627,7 +5537,7 @@
         </p:nvSpPr>
         <p:spPr>
           <a:xfrm>
-            <a:off x="2671241" y="6059530"/>
+            <a:off x="2671241" y="6481143"/>
             <a:ext cx="1332796" cy="369274"/>
           </a:xfrm>
           <a:prstGeom prst="rect">
@@ -5695,7 +5605,7 @@
         </p:nvCxnSpPr>
         <p:spPr>
           <a:xfrm flipH="1">
-            <a:off x="1960982" y="8156188"/>
+            <a:off x="1960982" y="8577801"/>
             <a:ext cx="596899" cy="0"/>
           </a:xfrm>
           <a:prstGeom prst="line">
@@ -5737,7 +5647,7 @@
         </p:nvSpPr>
         <p:spPr>
           <a:xfrm>
-            <a:off x="1931162" y="8200655"/>
+            <a:off x="1931162" y="8622268"/>
             <a:ext cx="782081" cy="369332"/>
           </a:xfrm>
           <a:prstGeom prst="rect">
@@ -5775,7 +5685,7 @@
         </p:nvSpPr>
         <p:spPr bwMode="auto">
           <a:xfrm>
-            <a:off x="1600200" y="4385572"/>
+            <a:off x="1600200" y="4910172"/>
             <a:ext cx="3581400" cy="891601"/>
           </a:xfrm>
           <a:custGeom>
@@ -5877,7 +5787,7 @@
         </p:nvSpPr>
         <p:spPr>
           <a:xfrm>
-            <a:off x="2507458" y="5049668"/>
+            <a:off x="2507458" y="5574268"/>
             <a:ext cx="1766883" cy="369332"/>
           </a:xfrm>
           <a:prstGeom prst="rect">
@@ -5942,7 +5852,7 @@
         </p:nvGrpSpPr>
         <p:grpSpPr>
           <a:xfrm>
-            <a:off x="1829161" y="4466340"/>
+            <a:off x="1829161" y="4990940"/>
             <a:ext cx="3123476" cy="538862"/>
             <a:chOff x="7637462" y="5863526"/>
             <a:chExt cx="3123476" cy="538862"/>
@@ -8945,7 +8855,7 @@
         </p:nvCxnSpPr>
         <p:spPr>
           <a:xfrm flipH="1">
-            <a:off x="1962943" y="7772400"/>
+            <a:off x="1962943" y="8194013"/>
             <a:ext cx="596899" cy="0"/>
           </a:xfrm>
           <a:prstGeom prst="line">
@@ -8989,7 +8899,7 @@
         </p:nvCxnSpPr>
         <p:spPr>
           <a:xfrm flipH="1">
-            <a:off x="1962943" y="7467600"/>
+            <a:off x="1962943" y="7889213"/>
             <a:ext cx="596899" cy="0"/>
           </a:xfrm>
           <a:prstGeom prst="line">
@@ -9033,7 +8943,7 @@
         </p:nvCxnSpPr>
         <p:spPr>
           <a:xfrm flipH="1">
-            <a:off x="1960982" y="7086600"/>
+            <a:off x="1960982" y="7508213"/>
             <a:ext cx="596899" cy="0"/>
           </a:xfrm>
           <a:prstGeom prst="line">
@@ -9077,7 +8987,7 @@
         </p:nvCxnSpPr>
         <p:spPr>
           <a:xfrm flipH="1">
-            <a:off x="1960982" y="6705600"/>
+            <a:off x="1960982" y="7127213"/>
             <a:ext cx="596899" cy="0"/>
           </a:xfrm>
           <a:prstGeom prst="line">
@@ -9119,7 +9029,7 @@
         </p:nvSpPr>
         <p:spPr>
           <a:xfrm>
-            <a:off x="559452" y="6524255"/>
+            <a:off x="559452" y="6945868"/>
             <a:ext cx="1626362" cy="369332"/>
           </a:xfrm>
           <a:prstGeom prst="rect">
@@ -9155,7 +9065,7 @@
         </p:nvSpPr>
         <p:spPr>
           <a:xfrm>
-            <a:off x="584322" y="6881337"/>
+            <a:off x="584322" y="7302950"/>
             <a:ext cx="1626362" cy="369332"/>
           </a:xfrm>
           <a:prstGeom prst="rect">
@@ -9191,7 +9101,7 @@
         </p:nvSpPr>
         <p:spPr>
           <a:xfrm>
-            <a:off x="559452" y="7280130"/>
+            <a:off x="559452" y="7701743"/>
             <a:ext cx="1626362" cy="369332"/>
           </a:xfrm>
           <a:prstGeom prst="rect">
@@ -9227,7 +9137,7 @@
         </p:nvSpPr>
         <p:spPr>
           <a:xfrm>
-            <a:off x="568824" y="7555468"/>
+            <a:off x="568824" y="7977081"/>
             <a:ext cx="1626362" cy="369332"/>
           </a:xfrm>
           <a:prstGeom prst="rect">
